--- a/resources/assets/document-templates/el-GR/new.pptx
+++ b/resources/assets/document-templates/el-GR/new.pptx
@@ -1609,7 +1609,7 @@
             <a:pPr lvl="4"/>
             <a:r>
               <a:rPr lang="el-GR" smtClean="0"/>
-              <a:t>Fifth level</a:t>
+              <a:t>Πέμπτου επιπέδου</a:t>
             </a:r>
             <a:endParaRPr lang="el-GR" dirty="0"/>
           </a:p>
@@ -2714,7 +2714,7 @@
           <a:p>
             <a:r>
               <a:rPr lang="el-GR" smtClean="0"/>
-              <a:t>Click icon to add picture</a:t>
+              <a:t>Κάντε κλικ στο εικονίδιο για να προσθέσετε εικόνα</a:t>
             </a:r>
             <a:endParaRPr lang="el-GR" dirty="0"/>
           </a:p>
@@ -2887,7 +2887,7 @@
       </p:grpSpPr>
       <p:sp>
         <p:nvSpPr>
-          <p:cNvPr id="2" name="Title Placeholder 1"/>
+          <p:cNvPr id="2" name="Θέση τίτλου 1"/>
           <p:cNvSpPr>
             <a:spLocks noGrp="1"/>
           </p:cNvSpPr>
@@ -2912,7 +2912,7 @@
           <a:p>
             <a:r>
               <a:rPr lang="el-GR" smtClean="0"/>
-              <a:t>Click to edit Master title style</a:t>
+              <a:t>Στυλ κύριου τίτλου</a:t>
             </a:r>
             <a:endParaRPr lang="el-GR" dirty="0"/>
           </a:p>
@@ -2920,7 +2920,7 @@
       </p:sp>
       <p:sp>
         <p:nvSpPr>
-          <p:cNvPr id="3" name="Text Placeholder 2"/>
+          <p:cNvPr id="3" name="Θέση κειμένου 2"/>
           <p:cNvSpPr>
             <a:spLocks noGrp="1"/>
           </p:cNvSpPr>
@@ -2946,35 +2946,35 @@
             <a:pPr lvl="0"/>
             <a:r>
               <a:rPr lang="el-GR" smtClean="0"/>
-              <a:t>Click to edit Master text styles</a:t>
+              <a:t>Στυλ υποδείγματος κειμένου</a:t>
             </a:r>
           </a:p>
           <a:p>
             <a:pPr lvl="1"/>
             <a:r>
               <a:rPr lang="el-GR" smtClean="0"/>
-              <a:t>Second level</a:t>
+              <a:t>Δεύτερου επιπέδου</a:t>
             </a:r>
           </a:p>
           <a:p>
             <a:pPr lvl="2"/>
             <a:r>
               <a:rPr lang="el-GR" smtClean="0"/>
-              <a:t>Third level</a:t>
+              <a:t>Τρίτου επιπέδου</a:t>
             </a:r>
           </a:p>
           <a:p>
             <a:pPr lvl="3"/>
             <a:r>
               <a:rPr lang="el-GR" smtClean="0"/>
-              <a:t>Fourth level</a:t>
+              <a:t>Τέταρτου επιπέδου</a:t>
             </a:r>
           </a:p>
           <a:p>
             <a:pPr lvl="4"/>
             <a:r>
               <a:rPr lang="el-GR" smtClean="0"/>
-              <a:t>Fifth level</a:t>
+              <a:t>Πέμπτου επιπέδου</a:t>
             </a:r>
             <a:endParaRPr lang="el-GR" dirty="0"/>
           </a:p>
@@ -2982,7 +2982,7 @@
       </p:sp>
       <p:sp>
         <p:nvSpPr>
-          <p:cNvPr id="4" name="Date Placeholder 3"/>
+          <p:cNvPr id="4" name="Θέση ημερομηνίας 3"/>
           <p:cNvSpPr>
             <a:spLocks noGrp="1"/>
           </p:cNvSpPr>
@@ -3023,7 +3023,7 @@
       </p:sp>
       <p:sp>
         <p:nvSpPr>
-          <p:cNvPr id="5" name="Footer Placeholder 4"/>
+          <p:cNvPr id="5" name="Θέση υποσέλιδου 4"/>
           <p:cNvSpPr>
             <a:spLocks noGrp="1"/>
           </p:cNvSpPr>
@@ -3060,7 +3060,7 @@
       </p:sp>
       <p:sp>
         <p:nvSpPr>
-          <p:cNvPr id="6" name="Slide Number Placeholder 5"/>
+          <p:cNvPr id="6" name="Θέση αριθμού διαφάνειας 5"/>
           <p:cNvSpPr>
             <a:spLocks noGrp="1"/>
           </p:cNvSpPr>
@@ -3422,7 +3422,7 @@
       </p:grpSpPr>
       <p:sp>
         <p:nvSpPr>
-          <p:cNvPr id="2" name="Title 1"/>
+          <p:cNvPr id="2" name="Τίτλος 1"/>
           <p:cNvSpPr>
             <a:spLocks noGrp="1"/>
           </p:cNvSpPr>
@@ -3441,7 +3441,7 @@
       </p:sp>
       <p:sp>
         <p:nvSpPr>
-          <p:cNvPr id="3" name="Subtitle 2"/>
+          <p:cNvPr id="3" name="Υπότιτλος 2"/>
           <p:cNvSpPr>
             <a:spLocks noGrp="1"/>
           </p:cNvSpPr>
